--- a/01_講義/007_個人開発/準備/[MRR001]成果報告会_案内用スライド(個人開発演習向け)_1.1.pptx
+++ b/01_講義/007_個人開発/準備/[MRR001]成果報告会_案内用スライド(個人開発演習向け)_1.1.pptx
@@ -259,7 +259,7 @@
           <a:p>
             <a:fld id="{9F2CC907-EE4A-4B7F-8947-B8EA7A90F37D}" type="datetimeFigureOut">
               <a:rPr kumimoji="1" lang="ja-JP" altLang="en-US" smtClean="0"/>
-              <a:t>2023/5/30</a:t>
+              <a:t>2023/5/31</a:t>
             </a:fld>
             <a:endParaRPr kumimoji="1" lang="ja-JP" altLang="en-US"/>
           </a:p>
@@ -489,7 +489,7 @@
           <a:p>
             <a:fld id="{9F2CC907-EE4A-4B7F-8947-B8EA7A90F37D}" type="datetimeFigureOut">
               <a:rPr kumimoji="1" lang="ja-JP" altLang="en-US" smtClean="0"/>
-              <a:t>2023/5/30</a:t>
+              <a:t>2023/5/31</a:t>
             </a:fld>
             <a:endParaRPr kumimoji="1" lang="ja-JP" altLang="en-US"/>
           </a:p>
@@ -729,7 +729,7 @@
           <a:p>
             <a:fld id="{9F2CC907-EE4A-4B7F-8947-B8EA7A90F37D}" type="datetimeFigureOut">
               <a:rPr kumimoji="1" lang="ja-JP" altLang="en-US" smtClean="0"/>
-              <a:t>2023/5/30</a:t>
+              <a:t>2023/5/31</a:t>
             </a:fld>
             <a:endParaRPr kumimoji="1" lang="ja-JP" altLang="en-US"/>
           </a:p>
@@ -959,7 +959,7 @@
           <a:p>
             <a:fld id="{9F2CC907-EE4A-4B7F-8947-B8EA7A90F37D}" type="datetimeFigureOut">
               <a:rPr kumimoji="1" lang="ja-JP" altLang="en-US" smtClean="0"/>
-              <a:t>2023/5/30</a:t>
+              <a:t>2023/5/31</a:t>
             </a:fld>
             <a:endParaRPr kumimoji="1" lang="ja-JP" altLang="en-US"/>
           </a:p>
@@ -1234,7 +1234,7 @@
           <a:p>
             <a:fld id="{9F2CC907-EE4A-4B7F-8947-B8EA7A90F37D}" type="datetimeFigureOut">
               <a:rPr kumimoji="1" lang="ja-JP" altLang="en-US" smtClean="0"/>
-              <a:t>2023/5/30</a:t>
+              <a:t>2023/5/31</a:t>
             </a:fld>
             <a:endParaRPr kumimoji="1" lang="ja-JP" altLang="en-US"/>
           </a:p>
@@ -1563,7 +1563,7 @@
           <a:p>
             <a:fld id="{9F2CC907-EE4A-4B7F-8947-B8EA7A90F37D}" type="datetimeFigureOut">
               <a:rPr kumimoji="1" lang="ja-JP" altLang="en-US" smtClean="0"/>
-              <a:t>2023/5/30</a:t>
+              <a:t>2023/5/31</a:t>
             </a:fld>
             <a:endParaRPr kumimoji="1" lang="ja-JP" altLang="en-US"/>
           </a:p>
@@ -2039,7 +2039,7 @@
           <a:p>
             <a:fld id="{9F2CC907-EE4A-4B7F-8947-B8EA7A90F37D}" type="datetimeFigureOut">
               <a:rPr kumimoji="1" lang="ja-JP" altLang="en-US" smtClean="0"/>
-              <a:t>2023/5/30</a:t>
+              <a:t>2023/5/31</a:t>
             </a:fld>
             <a:endParaRPr kumimoji="1" lang="ja-JP" altLang="en-US"/>
           </a:p>
@@ -2180,7 +2180,7 @@
           <a:p>
             <a:fld id="{9F2CC907-EE4A-4B7F-8947-B8EA7A90F37D}" type="datetimeFigureOut">
               <a:rPr kumimoji="1" lang="ja-JP" altLang="en-US" smtClean="0"/>
-              <a:t>2023/5/30</a:t>
+              <a:t>2023/5/31</a:t>
             </a:fld>
             <a:endParaRPr kumimoji="1" lang="ja-JP" altLang="en-US"/>
           </a:p>
@@ -2293,7 +2293,7 @@
           <a:p>
             <a:fld id="{9F2CC907-EE4A-4B7F-8947-B8EA7A90F37D}" type="datetimeFigureOut">
               <a:rPr kumimoji="1" lang="ja-JP" altLang="en-US" smtClean="0"/>
-              <a:t>2023/5/30</a:t>
+              <a:t>2023/5/31</a:t>
             </a:fld>
             <a:endParaRPr kumimoji="1" lang="ja-JP" altLang="en-US"/>
           </a:p>
@@ -2636,7 +2636,7 @@
           <a:p>
             <a:fld id="{9F2CC907-EE4A-4B7F-8947-B8EA7A90F37D}" type="datetimeFigureOut">
               <a:rPr kumimoji="1" lang="ja-JP" altLang="en-US" smtClean="0"/>
-              <a:t>2023/5/30</a:t>
+              <a:t>2023/5/31</a:t>
             </a:fld>
             <a:endParaRPr kumimoji="1" lang="ja-JP" altLang="en-US"/>
           </a:p>
@@ -2924,7 +2924,7 @@
           <a:p>
             <a:fld id="{9F2CC907-EE4A-4B7F-8947-B8EA7A90F37D}" type="datetimeFigureOut">
               <a:rPr kumimoji="1" lang="ja-JP" altLang="en-US" smtClean="0"/>
-              <a:t>2023/5/30</a:t>
+              <a:t>2023/5/31</a:t>
             </a:fld>
             <a:endParaRPr kumimoji="1" lang="ja-JP" altLang="en-US"/>
           </a:p>
@@ -3197,7 +3197,7 @@
           <a:p>
             <a:fld id="{9F2CC907-EE4A-4B7F-8947-B8EA7A90F37D}" type="datetimeFigureOut">
               <a:rPr kumimoji="1" lang="ja-JP" altLang="en-US" smtClean="0"/>
-              <a:t>2023/5/30</a:t>
+              <a:t>2023/5/31</a:t>
             </a:fld>
             <a:endParaRPr kumimoji="1" lang="ja-JP" altLang="en-US"/>
           </a:p>
@@ -3818,7 +3818,7 @@
           <p:nvPr>
             <p:extLst>
               <p:ext uri="{D42A27DB-BD31-4B8C-83A1-F6EECF244321}">
-                <p14:modId xmlns:p14="http://schemas.microsoft.com/office/powerpoint/2010/main" val="448071874"/>
+                <p14:modId xmlns:p14="http://schemas.microsoft.com/office/powerpoint/2010/main" val="2002355516"/>
               </p:ext>
             </p:extLst>
           </p:nvPr>
@@ -4299,7 +4299,14 @@
                     <a:bodyPr/>
                     <a:lstStyle/>
                     <a:p>
-                      <a:endParaRPr kumimoji="1" lang="ja-JP" altLang="en-US" dirty="0"/>
+                      <a:r>
+                        <a:rPr kumimoji="1" lang="en-US" altLang="ja-JP" dirty="0"/>
+                        <a:t>16:00</a:t>
+                      </a:r>
+                      <a:r>
+                        <a:rPr kumimoji="1" lang="ja-JP" altLang="en-US" dirty="0"/>
+                        <a:t>～</a:t>
+                      </a:r>
                     </a:p>
                   </a:txBody>
                   <a:tcPr/>
@@ -4309,6 +4316,10 @@
                     <a:bodyPr/>
                     <a:lstStyle/>
                     <a:p>
+                      <a:r>
+                        <a:rPr kumimoji="1" lang="ja-JP" altLang="en-US"/>
+                        <a:t>株式会社アイ・ジー・エスさま</a:t>
+                      </a:r>
                       <a:endParaRPr kumimoji="1" lang="ja-JP" altLang="en-US" dirty="0"/>
                     </a:p>
                   </a:txBody>
